--- a/p6_kaloui-sanaa-presentation.pptx
+++ b/p6_kaloui-sanaa-presentation.pptx
@@ -199,7 +199,7 @@
             <a:fld id="{C4AB37EB-507D-44EF-B62B-0789B8689791}" type="datetimeFigureOut">
               <a:rPr lang="fr-FR" smtClean="0"/>
               <a:pPr/>
-              <a:t>25/11/2022</a:t>
+              <a:t>29/11/2022</a:t>
             </a:fld>
             <a:endParaRPr lang="fr-FR"/>
           </a:p>
@@ -518,7 +518,7 @@
     </p:spTree>
     <p:extLst>
       <p:ext uri="{BB962C8B-B14F-4D97-AF65-F5344CB8AC3E}">
-        <p14:creationId xmlns:p14="http://schemas.microsoft.com/office/powerpoint/2010/main" xmlns="" val="4275570066"/>
+        <p14:creationId xmlns="" xmlns:p14="http://schemas.microsoft.com/office/powerpoint/2010/main" val="4275570066"/>
       </p:ext>
     </p:extLst>
   </p:cSld>
@@ -956,7 +956,7 @@
             <a:fld id="{AA309A6D-C09C-4548-B29A-6CF363A7E532}" type="datetimeFigureOut">
               <a:rPr lang="fr-FR" smtClean="0"/>
               <a:pPr/>
-              <a:t>25/11/2022</a:t>
+              <a:t>29/11/2022</a:t>
             </a:fld>
             <a:endParaRPr lang="fr-BE"/>
           </a:p>
@@ -1123,7 +1123,7 @@
             <a:fld id="{AA309A6D-C09C-4548-B29A-6CF363A7E532}" type="datetimeFigureOut">
               <a:rPr lang="fr-FR" smtClean="0"/>
               <a:pPr/>
-              <a:t>25/11/2022</a:t>
+              <a:t>29/11/2022</a:t>
             </a:fld>
             <a:endParaRPr lang="fr-BE"/>
           </a:p>
@@ -1300,7 +1300,7 @@
             <a:fld id="{AA309A6D-C09C-4548-B29A-6CF363A7E532}" type="datetimeFigureOut">
               <a:rPr lang="fr-FR" smtClean="0"/>
               <a:pPr/>
-              <a:t>25/11/2022</a:t>
+              <a:t>29/11/2022</a:t>
             </a:fld>
             <a:endParaRPr lang="fr-BE"/>
           </a:p>
@@ -1387,7 +1387,7 @@
           <p:cNvPr id="19" name="Picture 18">
             <a:extLst>
               <a:ext uri="{FF2B5EF4-FFF2-40B4-BE49-F238E27FC236}">
-                <a16:creationId xmlns:a16="http://schemas.microsoft.com/office/drawing/2014/main" xmlns="" id="{C7EB5592-C2B2-0D43-9D50-9C28DF4DC07C}"/>
+                <a16:creationId xmlns="" xmlns:a16="http://schemas.microsoft.com/office/drawing/2014/main" id="{C7EB5592-C2B2-0D43-9D50-9C28DF4DC07C}"/>
               </a:ext>
             </a:extLst>
           </p:cNvPr>
@@ -1400,7 +1400,7 @@
           <a:blip r:embed="rId2" cstate="screen">
             <a:extLst>
               <a:ext uri="{28A0092B-C50C-407E-A947-70E740481C1C}">
-                <a14:useLocalDpi xmlns:a14="http://schemas.microsoft.com/office/drawing/2010/main" xmlns=""/>
+                <a14:useLocalDpi xmlns="" xmlns:a14="http://schemas.microsoft.com/office/drawing/2010/main"/>
               </a:ext>
             </a:extLst>
           </a:blip>
@@ -1423,7 +1423,7 @@
           <p:cNvPr id="25" name="Picture 24">
             <a:extLst>
               <a:ext uri="{FF2B5EF4-FFF2-40B4-BE49-F238E27FC236}">
-                <a16:creationId xmlns:a16="http://schemas.microsoft.com/office/drawing/2014/main" xmlns="" id="{53424396-1ABB-C24B-ACCA-76C9FDCCCAA7}"/>
+                <a16:creationId xmlns="" xmlns:a16="http://schemas.microsoft.com/office/drawing/2014/main" id="{53424396-1ABB-C24B-ACCA-76C9FDCCCAA7}"/>
               </a:ext>
             </a:extLst>
           </p:cNvPr>
@@ -1437,7 +1437,7 @@
             <a:alphaModFix amt="54000"/>
             <a:extLst>
               <a:ext uri="{28A0092B-C50C-407E-A947-70E740481C1C}">
-                <a14:useLocalDpi xmlns:a14="http://schemas.microsoft.com/office/drawing/2010/main" xmlns=""/>
+                <a14:useLocalDpi xmlns="" xmlns:a14="http://schemas.microsoft.com/office/drawing/2010/main"/>
               </a:ext>
             </a:extLst>
           </a:blip>
@@ -1460,7 +1460,7 @@
           <p:cNvPr id="24" name="Picture 23">
             <a:extLst>
               <a:ext uri="{FF2B5EF4-FFF2-40B4-BE49-F238E27FC236}">
-                <a16:creationId xmlns:a16="http://schemas.microsoft.com/office/drawing/2014/main" xmlns="" id="{3B317941-75AD-CC4C-B1BC-FD1266AD5043}"/>
+                <a16:creationId xmlns="" xmlns:a16="http://schemas.microsoft.com/office/drawing/2014/main" id="{3B317941-75AD-CC4C-B1BC-FD1266AD5043}"/>
               </a:ext>
             </a:extLst>
           </p:cNvPr>
@@ -1473,7 +1473,7 @@
           <a:blip r:embed="rId4" cstate="screen">
             <a:extLst>
               <a:ext uri="{28A0092B-C50C-407E-A947-70E740481C1C}">
-                <a14:useLocalDpi xmlns:a14="http://schemas.microsoft.com/office/drawing/2010/main" xmlns=""/>
+                <a14:useLocalDpi xmlns="" xmlns:a14="http://schemas.microsoft.com/office/drawing/2010/main"/>
               </a:ext>
             </a:extLst>
           </a:blip>
@@ -1842,7 +1842,7 @@
           <p:cNvPr id="15" name="pasted-image.pdf" descr="pasted-image.pdf">
             <a:extLst>
               <a:ext uri="{FF2B5EF4-FFF2-40B4-BE49-F238E27FC236}">
-                <a16:creationId xmlns:a16="http://schemas.microsoft.com/office/drawing/2014/main" xmlns="" id="{971614F3-74FA-1349-B1B6-B73CF0A93053}"/>
+                <a16:creationId xmlns="" xmlns:a16="http://schemas.microsoft.com/office/drawing/2014/main" id="{971614F3-74FA-1349-B1B6-B73CF0A93053}"/>
               </a:ext>
             </a:extLst>
           </p:cNvPr>
@@ -1855,7 +1855,7 @@
           <a:blip r:embed="rId5" cstate="screen">
             <a:extLst>
               <a:ext uri="{28A0092B-C50C-407E-A947-70E740481C1C}">
-                <a14:useLocalDpi xmlns:a14="http://schemas.microsoft.com/office/drawing/2010/main" xmlns=""/>
+                <a14:useLocalDpi xmlns="" xmlns:a14="http://schemas.microsoft.com/office/drawing/2010/main"/>
               </a:ext>
             </a:extLst>
           </a:blip>
@@ -1881,7 +1881,7 @@
           <p:cNvPr id="4" name="Group 3">
             <a:extLst>
               <a:ext uri="{FF2B5EF4-FFF2-40B4-BE49-F238E27FC236}">
-                <a16:creationId xmlns:a16="http://schemas.microsoft.com/office/drawing/2014/main" xmlns="" id="{DB7C485F-51EF-0247-93E1-C6C36D8B8023}"/>
+                <a16:creationId xmlns="" xmlns:a16="http://schemas.microsoft.com/office/drawing/2014/main" id="{DB7C485F-51EF-0247-93E1-C6C36D8B8023}"/>
               </a:ext>
             </a:extLst>
           </p:cNvPr>
@@ -1901,7 +1901,7 @@
             <p:cNvPr id="13" name="Picture 12">
               <a:extLst>
                 <a:ext uri="{FF2B5EF4-FFF2-40B4-BE49-F238E27FC236}">
-                  <a16:creationId xmlns:a16="http://schemas.microsoft.com/office/drawing/2014/main" xmlns="" id="{6C38969F-F9E0-964C-A2AB-502E26747B0F}"/>
+                  <a16:creationId xmlns="" xmlns:a16="http://schemas.microsoft.com/office/drawing/2014/main" id="{6C38969F-F9E0-964C-A2AB-502E26747B0F}"/>
                 </a:ext>
               </a:extLst>
             </p:cNvPr>
@@ -1915,7 +1915,7 @@
               <a:alphaModFix amt="54000"/>
               <a:extLst>
                 <a:ext uri="{28A0092B-C50C-407E-A947-70E740481C1C}">
-                  <a14:useLocalDpi xmlns:a14="http://schemas.microsoft.com/office/drawing/2010/main" xmlns=""/>
+                  <a14:useLocalDpi xmlns="" xmlns:a14="http://schemas.microsoft.com/office/drawing/2010/main"/>
                 </a:ext>
               </a:extLst>
             </a:blip>
@@ -1938,7 +1938,7 @@
             <p:cNvPr id="16" name="Picture 15">
               <a:extLst>
                 <a:ext uri="{FF2B5EF4-FFF2-40B4-BE49-F238E27FC236}">
-                  <a16:creationId xmlns:a16="http://schemas.microsoft.com/office/drawing/2014/main" xmlns="" id="{F24688C7-865E-8448-BF28-340C41DCF4B1}"/>
+                  <a16:creationId xmlns="" xmlns:a16="http://schemas.microsoft.com/office/drawing/2014/main" id="{F24688C7-865E-8448-BF28-340C41DCF4B1}"/>
                 </a:ext>
               </a:extLst>
             </p:cNvPr>
@@ -1952,7 +1952,7 @@
               <a:alphaModFix amt="54000"/>
               <a:extLst>
                 <a:ext uri="{28A0092B-C50C-407E-A947-70E740481C1C}">
-                  <a14:useLocalDpi xmlns:a14="http://schemas.microsoft.com/office/drawing/2010/main" xmlns=""/>
+                  <a14:useLocalDpi xmlns="" xmlns:a14="http://schemas.microsoft.com/office/drawing/2010/main"/>
                 </a:ext>
               </a:extLst>
             </a:blip>
@@ -1975,7 +1975,7 @@
             <p:cNvPr id="14" name="Picture 13">
               <a:extLst>
                 <a:ext uri="{FF2B5EF4-FFF2-40B4-BE49-F238E27FC236}">
-                  <a16:creationId xmlns:a16="http://schemas.microsoft.com/office/drawing/2014/main" xmlns="" id="{9E31BE27-20CA-A147-9D7E-63AE9203A4E2}"/>
+                  <a16:creationId xmlns="" xmlns:a16="http://schemas.microsoft.com/office/drawing/2014/main" id="{9E31BE27-20CA-A147-9D7E-63AE9203A4E2}"/>
                 </a:ext>
               </a:extLst>
             </p:cNvPr>
@@ -1988,7 +1988,7 @@
             <a:blip r:embed="rId7" cstate="screen">
               <a:extLst>
                 <a:ext uri="{28A0092B-C50C-407E-A947-70E740481C1C}">
-                  <a14:useLocalDpi xmlns:a14="http://schemas.microsoft.com/office/drawing/2010/main" xmlns=""/>
+                  <a14:useLocalDpi xmlns="" xmlns:a14="http://schemas.microsoft.com/office/drawing/2010/main"/>
                 </a:ext>
               </a:extLst>
             </a:blip>
@@ -2012,7 +2012,7 @@
           <p:cNvPr id="20" name="Picture 19">
             <a:extLst>
               <a:ext uri="{FF2B5EF4-FFF2-40B4-BE49-F238E27FC236}">
-                <a16:creationId xmlns:a16="http://schemas.microsoft.com/office/drawing/2014/main" xmlns="" id="{C20BF5AF-61F1-4348-BAA3-134001BC6AC8}"/>
+                <a16:creationId xmlns="" xmlns:a16="http://schemas.microsoft.com/office/drawing/2014/main" id="{C20BF5AF-61F1-4348-BAA3-134001BC6AC8}"/>
               </a:ext>
             </a:extLst>
           </p:cNvPr>
@@ -2026,7 +2026,7 @@
             <a:alphaModFix amt="54000"/>
             <a:extLst>
               <a:ext uri="{28A0092B-C50C-407E-A947-70E740481C1C}">
-                <a14:useLocalDpi xmlns:a14="http://schemas.microsoft.com/office/drawing/2010/main" xmlns=""/>
+                <a14:useLocalDpi xmlns="" xmlns:a14="http://schemas.microsoft.com/office/drawing/2010/main"/>
               </a:ext>
             </a:extLst>
           </a:blip>
@@ -2049,7 +2049,7 @@
           <p:cNvPr id="22" name="Picture 21">
             <a:extLst>
               <a:ext uri="{FF2B5EF4-FFF2-40B4-BE49-F238E27FC236}">
-                <a16:creationId xmlns:a16="http://schemas.microsoft.com/office/drawing/2014/main" xmlns="" id="{364051FF-B810-7F47-AD66-7FC738416232}"/>
+                <a16:creationId xmlns="" xmlns:a16="http://schemas.microsoft.com/office/drawing/2014/main" id="{364051FF-B810-7F47-AD66-7FC738416232}"/>
               </a:ext>
             </a:extLst>
           </p:cNvPr>
@@ -2063,7 +2063,7 @@
             <a:alphaModFix amt="22000"/>
             <a:extLst>
               <a:ext uri="{28A0092B-C50C-407E-A947-70E740481C1C}">
-                <a14:useLocalDpi xmlns:a14="http://schemas.microsoft.com/office/drawing/2010/main" xmlns=""/>
+                <a14:useLocalDpi xmlns="" xmlns:a14="http://schemas.microsoft.com/office/drawing/2010/main"/>
               </a:ext>
             </a:extLst>
           </a:blip>
@@ -2093,7 +2093,7 @@
           <p:cNvPr id="23" name="Picture 22" descr="Cloud-the-Goat---Grazing.png">
             <a:extLst>
               <a:ext uri="{FF2B5EF4-FFF2-40B4-BE49-F238E27FC236}">
-                <a16:creationId xmlns:a16="http://schemas.microsoft.com/office/drawing/2014/main" xmlns="" id="{B3F869A3-8172-374F-BC43-74EB11069E29}"/>
+                <a16:creationId xmlns="" xmlns:a16="http://schemas.microsoft.com/office/drawing/2014/main" id="{B3F869A3-8172-374F-BC43-74EB11069E29}"/>
               </a:ext>
             </a:extLst>
           </p:cNvPr>
@@ -2106,7 +2106,7 @@
           <a:blip r:embed="rId8" cstate="screen">
             <a:extLst>
               <a:ext uri="{28A0092B-C50C-407E-A947-70E740481C1C}">
-                <a14:useLocalDpi xmlns:a14="http://schemas.microsoft.com/office/drawing/2010/main" xmlns=""/>
+                <a14:useLocalDpi xmlns="" xmlns:a14="http://schemas.microsoft.com/office/drawing/2010/main"/>
               </a:ext>
             </a:extLst>
           </a:blip>
@@ -2129,7 +2129,7 @@
           <p:cNvPr id="26" name="Picture 25">
             <a:extLst>
               <a:ext uri="{FF2B5EF4-FFF2-40B4-BE49-F238E27FC236}">
-                <a16:creationId xmlns:a16="http://schemas.microsoft.com/office/drawing/2014/main" xmlns="" id="{AAA0F863-5ED9-BF47-9E43-9B5A7E5D55EA}"/>
+                <a16:creationId xmlns="" xmlns:a16="http://schemas.microsoft.com/office/drawing/2014/main" id="{AAA0F863-5ED9-BF47-9E43-9B5A7E5D55EA}"/>
               </a:ext>
             </a:extLst>
           </p:cNvPr>
@@ -2143,7 +2143,7 @@
             <a:alphaModFix amt="22000"/>
             <a:extLst>
               <a:ext uri="{28A0092B-C50C-407E-A947-70E740481C1C}">
-                <a14:useLocalDpi xmlns:a14="http://schemas.microsoft.com/office/drawing/2010/main" xmlns=""/>
+                <a14:useLocalDpi xmlns="" xmlns:a14="http://schemas.microsoft.com/office/drawing/2010/main"/>
               </a:ext>
             </a:extLst>
           </a:blip>
@@ -2173,7 +2173,7 @@
           <p:cNvPr id="21" name="Picture 20">
             <a:extLst>
               <a:ext uri="{FF2B5EF4-FFF2-40B4-BE49-F238E27FC236}">
-                <a16:creationId xmlns:a16="http://schemas.microsoft.com/office/drawing/2014/main" xmlns="" id="{4D07FE5E-A6AA-884E-A18B-3D6ED3F41826}"/>
+                <a16:creationId xmlns="" xmlns:a16="http://schemas.microsoft.com/office/drawing/2014/main" id="{4D07FE5E-A6AA-884E-A18B-3D6ED3F41826}"/>
               </a:ext>
             </a:extLst>
           </p:cNvPr>
@@ -2187,7 +2187,7 @@
             <a:alphaModFix amt="54000"/>
             <a:extLst>
               <a:ext uri="{28A0092B-C50C-407E-A947-70E740481C1C}">
-                <a14:useLocalDpi xmlns:a14="http://schemas.microsoft.com/office/drawing/2010/main" xmlns=""/>
+                <a14:useLocalDpi xmlns="" xmlns:a14="http://schemas.microsoft.com/office/drawing/2010/main"/>
               </a:ext>
             </a:extLst>
           </a:blip>
@@ -2210,7 +2210,7 @@
           <p:cNvPr id="7" name="Picture 6">
             <a:extLst>
               <a:ext uri="{FF2B5EF4-FFF2-40B4-BE49-F238E27FC236}">
-                <a16:creationId xmlns:a16="http://schemas.microsoft.com/office/drawing/2014/main" xmlns="" id="{4EDC2888-59E3-7440-9896-4A8645F97492}"/>
+                <a16:creationId xmlns="" xmlns:a16="http://schemas.microsoft.com/office/drawing/2014/main" id="{4EDC2888-59E3-7440-9896-4A8645F97492}"/>
               </a:ext>
             </a:extLst>
           </p:cNvPr>
@@ -2223,7 +2223,7 @@
           <a:blip r:embed="rId9" cstate="screen">
             <a:extLst>
               <a:ext uri="{28A0092B-C50C-407E-A947-70E740481C1C}">
-                <a14:useLocalDpi xmlns:a14="http://schemas.microsoft.com/office/drawing/2010/main" xmlns=""/>
+                <a14:useLocalDpi xmlns="" xmlns:a14="http://schemas.microsoft.com/office/drawing/2010/main"/>
               </a:ext>
             </a:extLst>
           </a:blip>
@@ -2244,7 +2244,7 @@
     </p:spTree>
     <p:extLst>
       <p:ext uri="{BB962C8B-B14F-4D97-AF65-F5344CB8AC3E}">
-        <p14:creationId xmlns:p14="http://schemas.microsoft.com/office/powerpoint/2010/main" xmlns="" val="3373851088"/>
+        <p14:creationId xmlns="" xmlns:p14="http://schemas.microsoft.com/office/powerpoint/2010/main" val="3373851088"/>
       </p:ext>
     </p:extLst>
   </p:cSld>
@@ -2279,7 +2279,7 @@
           <p:cNvPr id="19" name="Picture 18">
             <a:extLst>
               <a:ext uri="{FF2B5EF4-FFF2-40B4-BE49-F238E27FC236}">
-                <a16:creationId xmlns:a16="http://schemas.microsoft.com/office/drawing/2014/main" xmlns="" id="{C813E119-9FD7-D446-B03F-ED372D4DE5DA}"/>
+                <a16:creationId xmlns="" xmlns:a16="http://schemas.microsoft.com/office/drawing/2014/main" id="{C813E119-9FD7-D446-B03F-ED372D4DE5DA}"/>
               </a:ext>
             </a:extLst>
           </p:cNvPr>
@@ -2293,7 +2293,7 @@
             <a:alphaModFix amt="80000"/>
             <a:extLst>
               <a:ext uri="{28A0092B-C50C-407E-A947-70E740481C1C}">
-                <a14:useLocalDpi xmlns:a14="http://schemas.microsoft.com/office/drawing/2010/main" xmlns=""/>
+                <a14:useLocalDpi xmlns="" xmlns:a14="http://schemas.microsoft.com/office/drawing/2010/main"/>
               </a:ext>
             </a:extLst>
           </a:blip>
@@ -2496,7 +2496,7 @@
           <a:blip r:embed="rId3" cstate="screen">
             <a:extLst>
               <a:ext uri="{28A0092B-C50C-407E-A947-70E740481C1C}">
-                <a14:useLocalDpi xmlns:a14="http://schemas.microsoft.com/office/drawing/2010/main" xmlns=""/>
+                <a14:useLocalDpi xmlns="" xmlns:a14="http://schemas.microsoft.com/office/drawing/2010/main"/>
               </a:ext>
             </a:extLst>
           </a:blip>
@@ -2522,7 +2522,7 @@
           <p:cNvPr id="11" name="Footer Placeholder 3">
             <a:extLst>
               <a:ext uri="{FF2B5EF4-FFF2-40B4-BE49-F238E27FC236}">
-                <a16:creationId xmlns:a16="http://schemas.microsoft.com/office/drawing/2014/main" xmlns="" id="{D34182B3-BC83-574F-BEFD-A10EC2325B88}"/>
+                <a16:creationId xmlns="" xmlns:a16="http://schemas.microsoft.com/office/drawing/2014/main" id="{D34182B3-BC83-574F-BEFD-A10EC2325B88}"/>
               </a:ext>
             </a:extLst>
           </p:cNvPr>
@@ -2572,7 +2572,7 @@
           <p:cNvPr id="2" name="Title 1">
             <a:extLst>
               <a:ext uri="{FF2B5EF4-FFF2-40B4-BE49-F238E27FC236}">
-                <a16:creationId xmlns:a16="http://schemas.microsoft.com/office/drawing/2014/main" xmlns="" id="{5ADE0D96-7C21-4589-BD0C-0F1AC3C6C7E7}"/>
+                <a16:creationId xmlns="" xmlns:a16="http://schemas.microsoft.com/office/drawing/2014/main" id="{5ADE0D96-7C21-4589-BD0C-0F1AC3C6C7E7}"/>
               </a:ext>
             </a:extLst>
           </p:cNvPr>
@@ -2599,7 +2599,7 @@
     </p:spTree>
     <p:extLst>
       <p:ext uri="{BB962C8B-B14F-4D97-AF65-F5344CB8AC3E}">
-        <p14:creationId xmlns:p14="http://schemas.microsoft.com/office/powerpoint/2010/main" xmlns="" val="2681145133"/>
+        <p14:creationId xmlns="" xmlns:p14="http://schemas.microsoft.com/office/powerpoint/2010/main" val="2681145133"/>
       </p:ext>
     </p:extLst>
   </p:cSld>
@@ -2653,7 +2653,7 @@
           <p:cNvPr id="5" name="Google Shape;362;p55">
             <a:extLst>
               <a:ext uri="{FF2B5EF4-FFF2-40B4-BE49-F238E27FC236}">
-                <a16:creationId xmlns="" xmlns:a16="http://schemas.microsoft.com/office/drawing/2014/main" id="{B194211E-B6CF-124C-A97F-843FC114B6E9}"/>
+                <a16:creationId xmlns:a16="http://schemas.microsoft.com/office/drawing/2014/main" xmlns="" id="{B194211E-B6CF-124C-A97F-843FC114B6E9}"/>
               </a:ext>
             </a:extLst>
           </p:cNvPr>
@@ -2665,7 +2665,7 @@
             <a:alphaModFix/>
             <a:extLst>
               <a:ext uri="{28A0092B-C50C-407E-A947-70E740481C1C}">
-                <a14:useLocalDpi xmlns="" xmlns:a14="http://schemas.microsoft.com/office/drawing/2010/main"/>
+                <a14:useLocalDpi xmlns:a14="http://schemas.microsoft.com/office/drawing/2010/main" xmlns=""/>
               </a:ext>
             </a:extLst>
           </a:blip>
@@ -2698,7 +2698,7 @@
           <a:blip r:embed="rId3" cstate="screen">
             <a:extLst>
               <a:ext uri="{28A0092B-C50C-407E-A947-70E740481C1C}">
-                <a14:useLocalDpi xmlns="" xmlns:a14="http://schemas.microsoft.com/office/drawing/2010/main"/>
+                <a14:useLocalDpi xmlns:a14="http://schemas.microsoft.com/office/drawing/2010/main" xmlns=""/>
               </a:ext>
             </a:extLst>
           </a:blip>
@@ -2721,7 +2721,7 @@
           <p:cNvPr id="4" name="Picture 3">
             <a:extLst>
               <a:ext uri="{FF2B5EF4-FFF2-40B4-BE49-F238E27FC236}">
-                <a16:creationId xmlns="" xmlns:a16="http://schemas.microsoft.com/office/drawing/2014/main" id="{CF2E9877-22A5-7E47-ACD2-1589BC5FEB7B}"/>
+                <a16:creationId xmlns:a16="http://schemas.microsoft.com/office/drawing/2014/main" xmlns="" id="{CF2E9877-22A5-7E47-ACD2-1589BC5FEB7B}"/>
               </a:ext>
             </a:extLst>
           </p:cNvPr>
@@ -2749,7 +2749,7 @@
     </p:spTree>
     <p:extLst>
       <p:ext uri="{BB962C8B-B14F-4D97-AF65-F5344CB8AC3E}">
-        <p14:creationId xmlns="" xmlns:p14="http://schemas.microsoft.com/office/powerpoint/2010/main" val="3956320057"/>
+        <p14:creationId xmlns:p14="http://schemas.microsoft.com/office/powerpoint/2010/main" xmlns="" val="3956320057"/>
       </p:ext>
     </p:extLst>
   </p:cSld>
@@ -2872,7 +2872,7 @@
             <a:fld id="{AA309A6D-C09C-4548-B29A-6CF363A7E532}" type="datetimeFigureOut">
               <a:rPr lang="fr-FR" smtClean="0"/>
               <a:pPr/>
-              <a:t>25/11/2022</a:t>
+              <a:t>29/11/2022</a:t>
             </a:fld>
             <a:endParaRPr lang="fr-BE"/>
           </a:p>
@@ -3115,7 +3115,7 @@
             <a:fld id="{AA309A6D-C09C-4548-B29A-6CF363A7E532}" type="datetimeFigureOut">
               <a:rPr lang="fr-FR" smtClean="0"/>
               <a:pPr/>
-              <a:t>25/11/2022</a:t>
+              <a:t>29/11/2022</a:t>
             </a:fld>
             <a:endParaRPr lang="fr-BE"/>
           </a:p>
@@ -3400,7 +3400,7 @@
             <a:fld id="{AA309A6D-C09C-4548-B29A-6CF363A7E532}" type="datetimeFigureOut">
               <a:rPr lang="fr-FR" smtClean="0"/>
               <a:pPr/>
-              <a:t>25/11/2022</a:t>
+              <a:t>29/11/2022</a:t>
             </a:fld>
             <a:endParaRPr lang="fr-BE"/>
           </a:p>
@@ -3819,7 +3819,7 @@
             <a:fld id="{AA309A6D-C09C-4548-B29A-6CF363A7E532}" type="datetimeFigureOut">
               <a:rPr lang="fr-FR" smtClean="0"/>
               <a:pPr/>
-              <a:t>25/11/2022</a:t>
+              <a:t>29/11/2022</a:t>
             </a:fld>
             <a:endParaRPr lang="fr-BE"/>
           </a:p>
@@ -3934,7 +3934,7 @@
             <a:fld id="{AA309A6D-C09C-4548-B29A-6CF363A7E532}" type="datetimeFigureOut">
               <a:rPr lang="fr-FR" smtClean="0"/>
               <a:pPr/>
-              <a:t>25/11/2022</a:t>
+              <a:t>29/11/2022</a:t>
             </a:fld>
             <a:endParaRPr lang="fr-BE"/>
           </a:p>
@@ -4026,7 +4026,7 @@
             <a:fld id="{AA309A6D-C09C-4548-B29A-6CF363A7E532}" type="datetimeFigureOut">
               <a:rPr lang="fr-FR" smtClean="0"/>
               <a:pPr/>
-              <a:t>25/11/2022</a:t>
+              <a:t>29/11/2022</a:t>
             </a:fld>
             <a:endParaRPr lang="fr-BE"/>
           </a:p>
@@ -4300,7 +4300,7 @@
             <a:fld id="{AA309A6D-C09C-4548-B29A-6CF363A7E532}" type="datetimeFigureOut">
               <a:rPr lang="fr-FR" smtClean="0"/>
               <a:pPr/>
-              <a:t>25/11/2022</a:t>
+              <a:t>29/11/2022</a:t>
             </a:fld>
             <a:endParaRPr lang="fr-BE"/>
           </a:p>
@@ -4550,7 +4550,7 @@
             <a:fld id="{AA309A6D-C09C-4548-B29A-6CF363A7E532}" type="datetimeFigureOut">
               <a:rPr lang="fr-FR" smtClean="0"/>
               <a:pPr/>
-              <a:t>25/11/2022</a:t>
+              <a:t>29/11/2022</a:t>
             </a:fld>
             <a:endParaRPr lang="fr-BE"/>
           </a:p>
@@ -4760,7 +4760,7 @@
             <a:fld id="{AA309A6D-C09C-4548-B29A-6CF363A7E532}" type="datetimeFigureOut">
               <a:rPr lang="fr-FR" smtClean="0"/>
               <a:pPr/>
-              <a:t>25/11/2022</a:t>
+              <a:t>29/11/2022</a:t>
             </a:fld>
             <a:endParaRPr lang="fr-BE"/>
           </a:p>
@@ -5446,7 +5446,7 @@
     </p:spTree>
     <p:extLst>
       <p:ext uri="{BB962C8B-B14F-4D97-AF65-F5344CB8AC3E}">
-        <p14:creationId xmlns:p14="http://schemas.microsoft.com/office/powerpoint/2010/main" xmlns="" val="1452348287"/>
+        <p14:creationId xmlns="" xmlns:p14="http://schemas.microsoft.com/office/powerpoint/2010/main" val="1452348287"/>
       </p:ext>
     </p:extLst>
   </p:cSld>
@@ -5740,33 +5740,7 @@
                 <a:ea typeface="Cambria" pitchFamily="18" charset="0"/>
                 <a:cs typeface="Times New Roman" pitchFamily="18" charset="0"/>
               </a:rPr>
-              <a:t>Poch'Lib </a:t>
-            </a:r>
-            <a:r>
-              <a:rPr lang="fr-FR" sz="2000" dirty="0" smtClean="0">
-                <a:solidFill>
-                  <a:schemeClr val="accent1">
-                    <a:lumMod val="75000"/>
-                  </a:schemeClr>
-                </a:solidFill>
-                <a:latin typeface="Century" pitchFamily="18" charset="0"/>
-                <a:ea typeface="Cambria" pitchFamily="18" charset="0"/>
-                <a:cs typeface="Times New Roman" pitchFamily="18" charset="0"/>
-              </a:rPr>
-              <a:t>est une application web de gestion de livres </a:t>
-            </a:r>
-            <a:r>
-              <a:rPr lang="fr-FR" sz="2000" dirty="0" smtClean="0">
-                <a:solidFill>
-                  <a:schemeClr val="accent1">
-                    <a:lumMod val="75000"/>
-                  </a:schemeClr>
-                </a:solidFill>
-                <a:latin typeface="Century" pitchFamily="18" charset="0"/>
-                <a:ea typeface="Cambria" pitchFamily="18" charset="0"/>
-                <a:cs typeface="Times New Roman" pitchFamily="18" charset="0"/>
-              </a:rPr>
-              <a:t>responsive,</a:t>
+              <a:t>Poch'Lib est une application web de gestion de livres responsive,</a:t>
             </a:r>
           </a:p>
           <a:p>
@@ -5828,33 +5802,7 @@
                 <a:ea typeface="Cambria" pitchFamily="18" charset="0"/>
                 <a:cs typeface="Times New Roman" pitchFamily="18" charset="0"/>
               </a:rPr>
-              <a:t>développée </a:t>
-            </a:r>
-            <a:r>
-              <a:rPr lang="fr-FR" sz="2000" dirty="0" smtClean="0">
-                <a:solidFill>
-                  <a:schemeClr val="accent1">
-                    <a:lumMod val="75000"/>
-                  </a:schemeClr>
-                </a:solidFill>
-                <a:latin typeface="Century" pitchFamily="18" charset="0"/>
-                <a:ea typeface="Cambria" pitchFamily="18" charset="0"/>
-                <a:cs typeface="Times New Roman" pitchFamily="18" charset="0"/>
-              </a:rPr>
-              <a:t>avec une approche mobile </a:t>
-            </a:r>
-            <a:r>
-              <a:rPr lang="fr-FR" sz="2000" dirty="0" smtClean="0">
-                <a:solidFill>
-                  <a:schemeClr val="accent1">
-                    <a:lumMod val="75000"/>
-                  </a:schemeClr>
-                </a:solidFill>
-                <a:latin typeface="Century" pitchFamily="18" charset="0"/>
-                <a:ea typeface="Cambria" pitchFamily="18" charset="0"/>
-                <a:cs typeface="Times New Roman" pitchFamily="18" charset="0"/>
-              </a:rPr>
-              <a:t>.</a:t>
+              <a:t>développée avec une approche mobile .</a:t>
             </a:r>
           </a:p>
           <a:p>
@@ -6147,33 +6095,7 @@
                 <a:ea typeface="Cambria" pitchFamily="18" charset="0"/>
                 <a:cs typeface="Times New Roman" pitchFamily="18" charset="0"/>
               </a:rPr>
-              <a:t>Notre application poch’Lib donne </a:t>
-            </a:r>
-            <a:r>
-              <a:rPr lang="fr-FR" dirty="0" smtClean="0">
-                <a:solidFill>
-                  <a:schemeClr val="accent1">
-                    <a:lumMod val="75000"/>
-                  </a:schemeClr>
-                </a:solidFill>
-                <a:latin typeface="Century" pitchFamily="18" charset="0"/>
-                <a:ea typeface="Cambria" pitchFamily="18" charset="0"/>
-                <a:cs typeface="Times New Roman" pitchFamily="18" charset="0"/>
-              </a:rPr>
-              <a:t>plusieurs </a:t>
-            </a:r>
-            <a:r>
-              <a:rPr lang="fr-FR" dirty="0" smtClean="0">
-                <a:solidFill>
-                  <a:schemeClr val="accent1">
-                    <a:lumMod val="75000"/>
-                  </a:schemeClr>
-                </a:solidFill>
-                <a:latin typeface="Century" pitchFamily="18" charset="0"/>
-                <a:ea typeface="Cambria" pitchFamily="18" charset="0"/>
-                <a:cs typeface="Times New Roman" pitchFamily="18" charset="0"/>
-              </a:rPr>
-              <a:t>fonctionnalités :</a:t>
+              <a:t>Notre application poch’Lib donne plusieurs fonctionnalités :</a:t>
             </a:r>
           </a:p>
           <a:p>
@@ -6202,8 +6124,11 @@
                 <a:ea typeface="Cambria" pitchFamily="18" charset="0"/>
                 <a:cs typeface="Times New Roman" pitchFamily="18" charset="0"/>
               </a:rPr>
-              <a:t>La Recherche d’ </a:t>
-            </a:r>
+              <a:t>La Recherche d’ un livre:</a:t>
+            </a:r>
+          </a:p>
+          <a:p>
+            <a:pPr algn="just"/>
             <a:r>
               <a:rPr lang="fr-FR" dirty="0" smtClean="0">
                 <a:solidFill>
@@ -6215,8 +6140,11 @@
                 <a:ea typeface="Cambria" pitchFamily="18" charset="0"/>
                 <a:cs typeface="Times New Roman" pitchFamily="18" charset="0"/>
               </a:rPr>
-              <a:t>un livre</a:t>
-            </a:r>
+              <a:t>on Cliquant  sur le bouton Ajouter un livre.</a:t>
+            </a:r>
+          </a:p>
+          <a:p>
+            <a:pPr algn="just"/>
             <a:r>
               <a:rPr lang="fr-FR" dirty="0" smtClean="0">
                 <a:solidFill>
@@ -6228,7 +6156,7 @@
                 <a:ea typeface="Cambria" pitchFamily="18" charset="0"/>
                 <a:cs typeface="Times New Roman" pitchFamily="18" charset="0"/>
               </a:rPr>
-              <a:t>:</a:t>
+              <a:t> Entrer le titre et le nom de l'auteur d'un livre et cliquez sur le bouton Rechercher .</a:t>
             </a:r>
           </a:p>
           <a:p>
@@ -6244,166 +6172,7 @@
                 <a:ea typeface="Cambria" pitchFamily="18" charset="0"/>
                 <a:cs typeface="Times New Roman" pitchFamily="18" charset="0"/>
               </a:rPr>
-              <a:t>on </a:t>
-            </a:r>
-            <a:r>
-              <a:rPr lang="fr-FR" dirty="0" smtClean="0">
-                <a:solidFill>
-                  <a:schemeClr val="accent1">
-                    <a:lumMod val="75000"/>
-                  </a:schemeClr>
-                </a:solidFill>
-                <a:latin typeface="Century" pitchFamily="18" charset="0"/>
-                <a:ea typeface="Cambria" pitchFamily="18" charset="0"/>
-                <a:cs typeface="Times New Roman" pitchFamily="18" charset="0"/>
-              </a:rPr>
-              <a:t>Cliquant  </a:t>
-            </a:r>
-            <a:r>
-              <a:rPr lang="fr-FR" dirty="0" smtClean="0">
-                <a:solidFill>
-                  <a:schemeClr val="accent1">
-                    <a:lumMod val="75000"/>
-                  </a:schemeClr>
-                </a:solidFill>
-                <a:latin typeface="Century" pitchFamily="18" charset="0"/>
-                <a:ea typeface="Cambria" pitchFamily="18" charset="0"/>
-                <a:cs typeface="Times New Roman" pitchFamily="18" charset="0"/>
-              </a:rPr>
-              <a:t>sur le bouton Ajouter un livre</a:t>
-            </a:r>
-            <a:r>
-              <a:rPr lang="fr-FR" dirty="0" smtClean="0">
-                <a:solidFill>
-                  <a:schemeClr val="accent1">
-                    <a:lumMod val="75000"/>
-                  </a:schemeClr>
-                </a:solidFill>
-                <a:latin typeface="Century" pitchFamily="18" charset="0"/>
-                <a:ea typeface="Cambria" pitchFamily="18" charset="0"/>
-                <a:cs typeface="Times New Roman" pitchFamily="18" charset="0"/>
-              </a:rPr>
-              <a:t>.</a:t>
-            </a:r>
-            <a:endParaRPr lang="fr-FR" dirty="0" smtClean="0">
-              <a:solidFill>
-                <a:schemeClr val="accent1">
-                  <a:lumMod val="75000"/>
-                </a:schemeClr>
-              </a:solidFill>
-              <a:latin typeface="Century" pitchFamily="18" charset="0"/>
-              <a:ea typeface="Cambria" pitchFamily="18" charset="0"/>
-              <a:cs typeface="Times New Roman" pitchFamily="18" charset="0"/>
-            </a:endParaRPr>
-          </a:p>
-          <a:p>
-            <a:pPr algn="just"/>
-            <a:r>
-              <a:rPr lang="fr-FR" dirty="0" smtClean="0">
-                <a:solidFill>
-                  <a:schemeClr val="accent1">
-                    <a:lumMod val="75000"/>
-                  </a:schemeClr>
-                </a:solidFill>
-                <a:latin typeface="Century" pitchFamily="18" charset="0"/>
-                <a:ea typeface="Cambria" pitchFamily="18" charset="0"/>
-                <a:cs typeface="Times New Roman" pitchFamily="18" charset="0"/>
-              </a:rPr>
-              <a:t> </a:t>
-            </a:r>
-            <a:r>
-              <a:rPr lang="fr-FR" dirty="0" smtClean="0">
-                <a:solidFill>
-                  <a:schemeClr val="accent1">
-                    <a:lumMod val="75000"/>
-                  </a:schemeClr>
-                </a:solidFill>
-                <a:latin typeface="Century" pitchFamily="18" charset="0"/>
-                <a:ea typeface="Cambria" pitchFamily="18" charset="0"/>
-                <a:cs typeface="Times New Roman" pitchFamily="18" charset="0"/>
-              </a:rPr>
-              <a:t>Entrer le </a:t>
-            </a:r>
-            <a:r>
-              <a:rPr lang="fr-FR" dirty="0" smtClean="0">
-                <a:solidFill>
-                  <a:schemeClr val="accent1">
-                    <a:lumMod val="75000"/>
-                  </a:schemeClr>
-                </a:solidFill>
-                <a:latin typeface="Century" pitchFamily="18" charset="0"/>
-                <a:ea typeface="Cambria" pitchFamily="18" charset="0"/>
-                <a:cs typeface="Times New Roman" pitchFamily="18" charset="0"/>
-              </a:rPr>
-              <a:t>titre et le nom de l'auteur d'un livre et cliquez sur le </a:t>
-            </a:r>
-            <a:r>
-              <a:rPr lang="fr-FR" dirty="0" smtClean="0">
-                <a:solidFill>
-                  <a:schemeClr val="accent1">
-                    <a:lumMod val="75000"/>
-                  </a:schemeClr>
-                </a:solidFill>
-                <a:latin typeface="Century" pitchFamily="18" charset="0"/>
-                <a:ea typeface="Cambria" pitchFamily="18" charset="0"/>
-                <a:cs typeface="Times New Roman" pitchFamily="18" charset="0"/>
-              </a:rPr>
-              <a:t>bouton </a:t>
-            </a:r>
-            <a:r>
-              <a:rPr lang="fr-FR" dirty="0" smtClean="0">
-                <a:solidFill>
-                  <a:schemeClr val="accent1">
-                    <a:lumMod val="75000"/>
-                  </a:schemeClr>
-                </a:solidFill>
-                <a:latin typeface="Century" pitchFamily="18" charset="0"/>
-                <a:ea typeface="Cambria" pitchFamily="18" charset="0"/>
-                <a:cs typeface="Times New Roman" pitchFamily="18" charset="0"/>
-              </a:rPr>
-              <a:t>Rechercher </a:t>
-            </a:r>
-            <a:r>
-              <a:rPr lang="fr-FR" dirty="0" smtClean="0">
-                <a:solidFill>
-                  <a:schemeClr val="accent1">
-                    <a:lumMod val="75000"/>
-                  </a:schemeClr>
-                </a:solidFill>
-                <a:latin typeface="Century" pitchFamily="18" charset="0"/>
-                <a:ea typeface="Cambria" pitchFamily="18" charset="0"/>
-                <a:cs typeface="Times New Roman" pitchFamily="18" charset="0"/>
-              </a:rPr>
-              <a:t>.</a:t>
-            </a:r>
-          </a:p>
-          <a:p>
-            <a:pPr algn="just"/>
-            <a:r>
-              <a:rPr lang="fr-FR" dirty="0" smtClean="0">
-                <a:solidFill>
-                  <a:schemeClr val="accent1">
-                    <a:lumMod val="75000"/>
-                  </a:schemeClr>
-                </a:solidFill>
-                <a:latin typeface="Century" pitchFamily="18" charset="0"/>
-                <a:ea typeface="Cambria" pitchFamily="18" charset="0"/>
-                <a:cs typeface="Times New Roman" pitchFamily="18" charset="0"/>
-              </a:rPr>
-              <a:t>Annuler la </a:t>
-            </a:r>
-            <a:r>
-              <a:rPr lang="fr-FR" dirty="0" smtClean="0">
-                <a:solidFill>
-                  <a:schemeClr val="accent1">
-                    <a:lumMod val="75000"/>
-                  </a:schemeClr>
-                </a:solidFill>
-                <a:latin typeface="Century" pitchFamily="18" charset="0"/>
-                <a:ea typeface="Cambria" pitchFamily="18" charset="0"/>
-                <a:cs typeface="Times New Roman" pitchFamily="18" charset="0"/>
-              </a:rPr>
-              <a:t>recherche avec le bouton Annuler.</a:t>
+              <a:t>Annuler la recherche avec le bouton Annuler.</a:t>
             </a:r>
           </a:p>
           <a:p>
@@ -6432,33 +6201,7 @@
                 <a:ea typeface="Cambria" pitchFamily="18" charset="0"/>
                 <a:cs typeface="Times New Roman" pitchFamily="18" charset="0"/>
               </a:rPr>
-              <a:t>Ajout d un  ou plusieurs livres </a:t>
-            </a:r>
-            <a:r>
-              <a:rPr lang="fr-FR" dirty="0" smtClean="0">
-                <a:solidFill>
-                  <a:schemeClr val="accent1">
-                    <a:lumMod val="75000"/>
-                  </a:schemeClr>
-                </a:solidFill>
-                <a:latin typeface="Century" pitchFamily="18" charset="0"/>
-                <a:ea typeface="Cambria" pitchFamily="18" charset="0"/>
-                <a:cs typeface="Times New Roman" pitchFamily="18" charset="0"/>
-              </a:rPr>
-              <a:t>dans « Ma poch'liste » </a:t>
-            </a:r>
-            <a:r>
-              <a:rPr lang="fr-FR" dirty="0" smtClean="0">
-                <a:solidFill>
-                  <a:schemeClr val="accent1">
-                    <a:lumMod val="75000"/>
-                  </a:schemeClr>
-                </a:solidFill>
-                <a:latin typeface="Century" pitchFamily="18" charset="0"/>
-                <a:ea typeface="Cambria" pitchFamily="18" charset="0"/>
-                <a:cs typeface="Times New Roman" pitchFamily="18" charset="0"/>
-              </a:rPr>
-              <a:t>:</a:t>
+              <a:t>Ajout d un  ou plusieurs livres dans « Ma poch'liste » :</a:t>
             </a:r>
           </a:p>
           <a:p>
@@ -6487,72 +6230,7 @@
                 <a:ea typeface="Cambria" pitchFamily="18" charset="0"/>
                 <a:cs typeface="Times New Roman" pitchFamily="18" charset="0"/>
               </a:rPr>
-              <a:t>Pour Ajouter </a:t>
-            </a:r>
-            <a:r>
-              <a:rPr lang="fr-FR" dirty="0" smtClean="0">
-                <a:solidFill>
-                  <a:schemeClr val="accent1">
-                    <a:lumMod val="75000"/>
-                  </a:schemeClr>
-                </a:solidFill>
-                <a:latin typeface="Century" pitchFamily="18" charset="0"/>
-                <a:ea typeface="Cambria" pitchFamily="18" charset="0"/>
-                <a:cs typeface="Times New Roman" pitchFamily="18" charset="0"/>
-              </a:rPr>
-              <a:t>un livre dans "Ma poch'liste" </a:t>
-            </a:r>
-            <a:r>
-              <a:rPr lang="fr-FR" dirty="0" smtClean="0">
-                <a:solidFill>
-                  <a:schemeClr val="accent1">
-                    <a:lumMod val="75000"/>
-                  </a:schemeClr>
-                </a:solidFill>
-                <a:latin typeface="Century" pitchFamily="18" charset="0"/>
-                <a:ea typeface="Cambria" pitchFamily="18" charset="0"/>
-                <a:cs typeface="Times New Roman" pitchFamily="18" charset="0"/>
-              </a:rPr>
-              <a:t>Cliquer </a:t>
-            </a:r>
-            <a:r>
-              <a:rPr lang="fr-FR" dirty="0" smtClean="0">
-                <a:solidFill>
-                  <a:schemeClr val="accent1">
-                    <a:lumMod val="75000"/>
-                  </a:schemeClr>
-                </a:solidFill>
-                <a:latin typeface="Century" pitchFamily="18" charset="0"/>
-                <a:ea typeface="Cambria" pitchFamily="18" charset="0"/>
-                <a:cs typeface="Times New Roman" pitchFamily="18" charset="0"/>
-              </a:rPr>
-              <a:t>sur l'icône signet en haut à droite de la description du livre. Le livre est ajouté </a:t>
-            </a:r>
-            <a:r>
-              <a:rPr lang="fr-FR" dirty="0" smtClean="0">
-                <a:solidFill>
-                  <a:schemeClr val="accent1">
-                    <a:lumMod val="75000"/>
-                  </a:schemeClr>
-                </a:solidFill>
-                <a:latin typeface="Century" pitchFamily="18" charset="0"/>
-                <a:ea typeface="Cambria" pitchFamily="18" charset="0"/>
-                <a:cs typeface="Times New Roman" pitchFamily="18" charset="0"/>
-              </a:rPr>
-              <a:t>dans la liste </a:t>
-            </a:r>
-            <a:r>
-              <a:rPr lang="fr-FR" dirty="0" smtClean="0">
-                <a:solidFill>
-                  <a:schemeClr val="accent1">
-                    <a:lumMod val="75000"/>
-                  </a:schemeClr>
-                </a:solidFill>
-                <a:latin typeface="Century" pitchFamily="18" charset="0"/>
-                <a:ea typeface="Cambria" pitchFamily="18" charset="0"/>
-                <a:cs typeface="Times New Roman" pitchFamily="18" charset="0"/>
-              </a:rPr>
-              <a:t>de favoris.</a:t>
+              <a:t>Pour Ajouter un livre dans "Ma poch'liste" Cliquer sur l'icône signet en haut à droite de la description du livre. Le livre est ajouté dans la liste de favoris.</a:t>
             </a:r>
           </a:p>
           <a:p>
@@ -6581,20 +6259,7 @@
                 <a:ea typeface="Cambria" pitchFamily="18" charset="0"/>
                 <a:cs typeface="Times New Roman" pitchFamily="18" charset="0"/>
               </a:rPr>
-              <a:t>La Suppression d’ </a:t>
-            </a:r>
-            <a:r>
-              <a:rPr lang="fr-FR" dirty="0" smtClean="0">
-                <a:solidFill>
-                  <a:schemeClr val="accent1">
-                    <a:lumMod val="75000"/>
-                  </a:schemeClr>
-                </a:solidFill>
-                <a:latin typeface="Century" pitchFamily="18" charset="0"/>
-                <a:ea typeface="Cambria" pitchFamily="18" charset="0"/>
-                <a:cs typeface="Times New Roman" pitchFamily="18" charset="0"/>
-              </a:rPr>
-              <a:t>un livre dans « Ma poch'liste »:</a:t>
+              <a:t>La Suppression d’ un livre dans « Ma poch'liste »:</a:t>
             </a:r>
           </a:p>
           <a:p>
@@ -6623,83 +6288,8 @@
                 <a:ea typeface="Cambria" pitchFamily="18" charset="0"/>
                 <a:cs typeface="Times New Roman" pitchFamily="18" charset="0"/>
               </a:rPr>
-              <a:t>Cliquer </a:t>
-            </a:r>
-            <a:r>
-              <a:rPr lang="fr-FR" dirty="0" smtClean="0">
-                <a:solidFill>
-                  <a:schemeClr val="accent1">
-                    <a:lumMod val="75000"/>
-                  </a:schemeClr>
-                </a:solidFill>
-                <a:latin typeface="Century" pitchFamily="18" charset="0"/>
-                <a:ea typeface="Cambria" pitchFamily="18" charset="0"/>
-                <a:cs typeface="Times New Roman" pitchFamily="18" charset="0"/>
-              </a:rPr>
-              <a:t>sur l'icône corbeille </a:t>
-            </a:r>
-            <a:r>
-              <a:rPr lang="fr-FR" dirty="0" smtClean="0">
-                <a:solidFill>
-                  <a:schemeClr val="accent1">
-                    <a:lumMod val="75000"/>
-                  </a:schemeClr>
-                </a:solidFill>
-                <a:latin typeface="Century" pitchFamily="18" charset="0"/>
-                <a:ea typeface="Cambria" pitchFamily="18" charset="0"/>
-                <a:cs typeface="Times New Roman" pitchFamily="18" charset="0"/>
-              </a:rPr>
-              <a:t>. </a:t>
-            </a:r>
-            <a:r>
-              <a:rPr lang="fr-FR" dirty="0" smtClean="0">
-                <a:solidFill>
-                  <a:schemeClr val="accent1">
-                    <a:lumMod val="75000"/>
-                  </a:schemeClr>
-                </a:solidFill>
-                <a:latin typeface="Century" pitchFamily="18" charset="0"/>
-                <a:ea typeface="Cambria" pitchFamily="18" charset="0"/>
-                <a:cs typeface="Times New Roman" pitchFamily="18" charset="0"/>
-              </a:rPr>
-              <a:t>Le livre est supprimé de </a:t>
-            </a:r>
-            <a:r>
-              <a:rPr lang="fr-FR" dirty="0" smtClean="0">
-                <a:solidFill>
-                  <a:schemeClr val="accent1">
-                    <a:lumMod val="75000"/>
-                  </a:schemeClr>
-                </a:solidFill>
-                <a:latin typeface="Century" pitchFamily="18" charset="0"/>
-                <a:ea typeface="Cambria" pitchFamily="18" charset="0"/>
-                <a:cs typeface="Times New Roman" pitchFamily="18" charset="0"/>
-              </a:rPr>
-              <a:t>la </a:t>
-            </a:r>
-            <a:r>
-              <a:rPr lang="fr-FR" dirty="0" smtClean="0">
-                <a:solidFill>
-                  <a:schemeClr val="accent1">
-                    <a:lumMod val="75000"/>
-                  </a:schemeClr>
-                </a:solidFill>
-                <a:latin typeface="Century" pitchFamily="18" charset="0"/>
-                <a:ea typeface="Cambria" pitchFamily="18" charset="0"/>
-                <a:cs typeface="Times New Roman" pitchFamily="18" charset="0"/>
-              </a:rPr>
-              <a:t>liste de favoris.</a:t>
-            </a:r>
-            <a:endParaRPr lang="fr-FR" dirty="0" smtClean="0">
-              <a:solidFill>
-                <a:schemeClr val="accent1">
-                  <a:lumMod val="75000"/>
-                </a:schemeClr>
-              </a:solidFill>
-              <a:latin typeface="Century" pitchFamily="18" charset="0"/>
-              <a:ea typeface="Cambria" pitchFamily="18" charset="0"/>
-              <a:cs typeface="Times New Roman" pitchFamily="18" charset="0"/>
-            </a:endParaRPr>
+              <a:t>Cliquer sur l'icône corbeille . Le livre est supprimé de la liste de favoris.</a:t>
+            </a:r>
           </a:p>
           <a:p>
             <a:endParaRPr lang="fr-FR" dirty="0" smtClean="0"/>
@@ -6831,7 +6421,33 @@
                 <a:ea typeface="Cambria" pitchFamily="18" charset="0"/>
                 <a:cs typeface="Times New Roman" pitchFamily="18" charset="0"/>
               </a:rPr>
-              <a:t>  L'API Google Books permet de récupérer les livres de récupérer les livres avec GET METHOD et de les afficher dans "Résultats de recherche" et </a:t>
+              <a:t>  L'API Google Books </a:t>
+            </a:r>
+            <a:r>
+              <a:rPr lang="fr-FR" smtClean="0">
+                <a:solidFill>
+                  <a:schemeClr val="accent1">
+                    <a:lumMod val="75000"/>
+                  </a:schemeClr>
+                </a:solidFill>
+                <a:latin typeface="Century" pitchFamily="18" charset="0"/>
+                <a:ea typeface="Cambria" pitchFamily="18" charset="0"/>
+                <a:cs typeface="Times New Roman" pitchFamily="18" charset="0"/>
+              </a:rPr>
+              <a:t>permet </a:t>
+            </a:r>
+            <a:r>
+              <a:rPr lang="fr-FR" smtClean="0">
+                <a:solidFill>
+                  <a:schemeClr val="accent1">
+                    <a:lumMod val="75000"/>
+                  </a:schemeClr>
+                </a:solidFill>
+                <a:latin typeface="Century" pitchFamily="18" charset="0"/>
+                <a:ea typeface="Cambria" pitchFamily="18" charset="0"/>
+                <a:cs typeface="Times New Roman" pitchFamily="18" charset="0"/>
+              </a:rPr>
+              <a:t>de </a:t>
             </a:r>
             <a:r>
               <a:rPr lang="fr-FR" dirty="0" smtClean="0">
@@ -6844,18 +6460,8 @@
                 <a:ea typeface="Cambria" pitchFamily="18" charset="0"/>
                 <a:cs typeface="Times New Roman" pitchFamily="18" charset="0"/>
               </a:rPr>
-              <a:t>« Ma poch'liste ».</a:t>
-            </a:r>
-            <a:endParaRPr lang="fr-FR" dirty="0" smtClean="0">
-              <a:solidFill>
-                <a:schemeClr val="accent1">
-                  <a:lumMod val="75000"/>
-                </a:schemeClr>
-              </a:solidFill>
-              <a:latin typeface="Century" pitchFamily="18" charset="0"/>
-              <a:ea typeface="Cambria" pitchFamily="18" charset="0"/>
-              <a:cs typeface="Times New Roman" pitchFamily="18" charset="0"/>
-            </a:endParaRPr>
+              <a:t>récupérer les livres avec GET METHOD et de les afficher dans "Résultats de recherche" et « Ma poch'liste ».</a:t>
+            </a:r>
           </a:p>
           <a:p>
             <a:pPr algn="just"/>
@@ -6933,20 +6539,7 @@
                 <a:ea typeface="Cambria" pitchFamily="18" charset="0"/>
                 <a:cs typeface="Times New Roman" pitchFamily="18" charset="0"/>
               </a:rPr>
-              <a:t>Stockage</a:t>
-            </a:r>
-            <a:r>
-              <a:rPr lang="fr-FR" dirty="0" smtClean="0">
-                <a:solidFill>
-                  <a:schemeClr val="accent1">
-                    <a:lumMod val="75000"/>
-                  </a:schemeClr>
-                </a:solidFill>
-                <a:latin typeface="Century" pitchFamily="18" charset="0"/>
-                <a:ea typeface="Cambria" pitchFamily="18" charset="0"/>
-                <a:cs typeface="Times New Roman" pitchFamily="18" charset="0"/>
-              </a:rPr>
-              <a:t>:</a:t>
+              <a:t>Stockage:</a:t>
             </a:r>
           </a:p>
           <a:p>
@@ -7005,111 +6598,7 @@
                 <a:ea typeface="Cambria" pitchFamily="18" charset="0"/>
                 <a:cs typeface="Times New Roman" pitchFamily="18" charset="0"/>
               </a:rPr>
-              <a:t> L'API </a:t>
-            </a:r>
-            <a:r>
-              <a:rPr lang="fr-FR" dirty="0" smtClean="0">
-                <a:solidFill>
-                  <a:schemeClr val="accent1">
-                    <a:lumMod val="75000"/>
-                  </a:schemeClr>
-                </a:solidFill>
-                <a:latin typeface="Century" pitchFamily="18" charset="0"/>
-                <a:ea typeface="Cambria" pitchFamily="18" charset="0"/>
-                <a:cs typeface="Times New Roman" pitchFamily="18" charset="0"/>
-              </a:rPr>
-              <a:t>session Storage </a:t>
-            </a:r>
-            <a:r>
-              <a:rPr lang="fr-FR" dirty="0" smtClean="0">
-                <a:solidFill>
-                  <a:schemeClr val="accent1">
-                    <a:lumMod val="75000"/>
-                  </a:schemeClr>
-                </a:solidFill>
-                <a:latin typeface="Century" pitchFamily="18" charset="0"/>
-                <a:ea typeface="Cambria" pitchFamily="18" charset="0"/>
-                <a:cs typeface="Times New Roman" pitchFamily="18" charset="0"/>
-              </a:rPr>
-              <a:t>est utilisée pour ajouter et supprimer des </a:t>
-            </a:r>
-            <a:r>
-              <a:rPr lang="fr-FR" dirty="0" smtClean="0">
-                <a:solidFill>
-                  <a:schemeClr val="accent1">
-                    <a:lumMod val="75000"/>
-                  </a:schemeClr>
-                </a:solidFill>
-                <a:latin typeface="Century" pitchFamily="18" charset="0"/>
-                <a:ea typeface="Cambria" pitchFamily="18" charset="0"/>
-                <a:cs typeface="Times New Roman" pitchFamily="18" charset="0"/>
-              </a:rPr>
-              <a:t>éléments</a:t>
-            </a:r>
-            <a:r>
-              <a:rPr lang="fr-FR" dirty="0" smtClean="0">
-                <a:solidFill>
-                  <a:schemeClr val="accent1">
-                    <a:lumMod val="75000"/>
-                  </a:schemeClr>
-                </a:solidFill>
-                <a:latin typeface="Century" pitchFamily="18" charset="0"/>
-                <a:ea typeface="Cambria" pitchFamily="18" charset="0"/>
-                <a:cs typeface="Times New Roman" pitchFamily="18" charset="0"/>
-              </a:rPr>
-              <a:t>,</a:t>
-            </a:r>
-            <a:r>
-              <a:rPr lang="fr-FR" dirty="0" smtClean="0">
-                <a:solidFill>
-                  <a:schemeClr val="accent1">
-                    <a:lumMod val="75000"/>
-                  </a:schemeClr>
-                </a:solidFill>
-                <a:latin typeface="Century" pitchFamily="18" charset="0"/>
-                <a:ea typeface="Cambria" pitchFamily="18" charset="0"/>
-                <a:cs typeface="Times New Roman" pitchFamily="18" charset="0"/>
-              </a:rPr>
-              <a:t> </a:t>
-            </a:r>
-            <a:r>
-              <a:rPr lang="fr-FR" dirty="0" smtClean="0">
-                <a:solidFill>
-                  <a:schemeClr val="accent1">
-                    <a:lumMod val="75000"/>
-                  </a:schemeClr>
-                </a:solidFill>
-                <a:latin typeface="Century" pitchFamily="18" charset="0"/>
-                <a:ea typeface="Cambria" pitchFamily="18" charset="0"/>
-                <a:cs typeface="Times New Roman" pitchFamily="18" charset="0"/>
-              </a:rPr>
-              <a:t>Lorsque la page est rechargée, </a:t>
-            </a:r>
-            <a:r>
-              <a:rPr lang="fr-FR" dirty="0" smtClean="0">
-                <a:solidFill>
-                  <a:schemeClr val="accent1">
-                    <a:lumMod val="75000"/>
-                  </a:schemeClr>
-                </a:solidFill>
-                <a:latin typeface="Century" pitchFamily="18" charset="0"/>
-                <a:ea typeface="Cambria" pitchFamily="18" charset="0"/>
-                <a:cs typeface="Times New Roman" pitchFamily="18" charset="0"/>
-              </a:rPr>
-              <a:t>une fois vous fermez </a:t>
-            </a:r>
-            <a:r>
-              <a:rPr lang="fr-FR" dirty="0" smtClean="0">
-                <a:solidFill>
-                  <a:schemeClr val="accent1">
-                    <a:lumMod val="75000"/>
-                  </a:schemeClr>
-                </a:solidFill>
-                <a:latin typeface="Century" pitchFamily="18" charset="0"/>
-                <a:ea typeface="Cambria" pitchFamily="18" charset="0"/>
-                <a:cs typeface="Times New Roman" pitchFamily="18" charset="0"/>
-              </a:rPr>
-              <a:t>votre navigateur, tout est supprimé. </a:t>
+              <a:t> L'API session Storage est utilisée pour ajouter et supprimer des éléments, Lorsque la page est rechargée, une fois vous fermez votre navigateur, tout est supprimé. </a:t>
             </a:r>
           </a:p>
         </p:txBody>
@@ -7287,49 +6776,6 @@
               </a:rPr>
               <a:t>Technologies  utilisés </a:t>
             </a:r>
-            <a:endParaRPr lang="fr-FR" sz="2800" b="1" cap="all" dirty="0" smtClean="0">
-              <a:ln w="0"/>
-              <a:gradFill flip="none">
-                <a:gsLst>
-                  <a:gs pos="0">
-                    <a:schemeClr val="accent1">
-                      <a:tint val="75000"/>
-                      <a:shade val="75000"/>
-                      <a:satMod val="170000"/>
-                    </a:schemeClr>
-                  </a:gs>
-                  <a:gs pos="49000">
-                    <a:schemeClr val="accent1">
-                      <a:tint val="88000"/>
-                      <a:shade val="65000"/>
-                      <a:satMod val="172000"/>
-                    </a:schemeClr>
-                  </a:gs>
-                  <a:gs pos="50000">
-                    <a:schemeClr val="accent1">
-                      <a:shade val="65000"/>
-                      <a:satMod val="130000"/>
-                    </a:schemeClr>
-                  </a:gs>
-                  <a:gs pos="92000">
-                    <a:schemeClr val="accent1">
-                      <a:shade val="50000"/>
-                      <a:satMod val="120000"/>
-                    </a:schemeClr>
-                  </a:gs>
-                  <a:gs pos="100000">
-                    <a:schemeClr val="accent1">
-                      <a:shade val="48000"/>
-                      <a:satMod val="120000"/>
-                    </a:schemeClr>
-                  </a:gs>
-                </a:gsLst>
-                <a:lin ang="5400000"/>
-              </a:gradFill>
-              <a:effectLst>
-                <a:reflection blurRad="12700" stA="50000" endPos="50000" dist="5000" dir="5400000" sy="-100000" rotWithShape="0"/>
-              </a:effectLst>
-            </a:endParaRPr>
           </a:p>
         </p:txBody>
       </p:sp>
@@ -7463,20 +6909,7 @@
                 <a:ea typeface="Cambria" pitchFamily="18" charset="0"/>
                 <a:cs typeface="Times New Roman" pitchFamily="18" charset="0"/>
               </a:rPr>
-              <a:t>permet </a:t>
-            </a:r>
-            <a:r>
-              <a:rPr lang="fr-FR" dirty="0" smtClean="0">
-                <a:solidFill>
-                  <a:schemeClr val="accent1">
-                    <a:lumMod val="75000"/>
-                  </a:schemeClr>
-                </a:solidFill>
-                <a:latin typeface="Century" pitchFamily="18" charset="0"/>
-                <a:ea typeface="Cambria" pitchFamily="18" charset="0"/>
-                <a:cs typeface="Times New Roman" pitchFamily="18" charset="0"/>
-              </a:rPr>
-              <a:t>l'affichage des informations de la page sur le navigateur,</a:t>
+              <a:t>permet l'affichage des informations de la page sur le navigateur,</a:t>
             </a:r>
           </a:p>
         </p:txBody>
@@ -7552,20 +6985,7 @@
                 <a:ea typeface="Cambria" pitchFamily="18" charset="0"/>
                 <a:cs typeface="Times New Roman" pitchFamily="18" charset="0"/>
               </a:rPr>
-              <a:t>est </a:t>
-            </a:r>
-            <a:r>
-              <a:rPr lang="fr-FR" dirty="0" smtClean="0">
-                <a:solidFill>
-                  <a:schemeClr val="accent1">
-                    <a:lumMod val="75000"/>
-                  </a:schemeClr>
-                </a:solidFill>
-                <a:latin typeface="Century" pitchFamily="18" charset="0"/>
-                <a:ea typeface="Cambria" pitchFamily="18" charset="0"/>
-                <a:cs typeface="Times New Roman" pitchFamily="18" charset="0"/>
-              </a:rPr>
-              <a:t>un langage de programmation qui permet de créer du contenu mis à jour de façon dynamique, </a:t>
+              <a:t>est un langage de programmation qui permet de créer du contenu mis à jour de façon dynamique, </a:t>
             </a:r>
           </a:p>
           <a:p>
@@ -7655,20 +7075,7 @@
                 <a:ea typeface="Cambria" pitchFamily="18" charset="0"/>
                 <a:cs typeface="Times New Roman" pitchFamily="18" charset="0"/>
               </a:rPr>
-              <a:t>est un langage de script ,L'écriture avec sass est mieux organisée, plus lisible, moins répétitive. </a:t>
-            </a:r>
-            <a:r>
-              <a:rPr lang="fr-FR" dirty="0" smtClean="0">
-                <a:solidFill>
-                  <a:schemeClr val="accent1">
-                    <a:lumMod val="75000"/>
-                  </a:schemeClr>
-                </a:solidFill>
-                <a:latin typeface="Century" pitchFamily="18" charset="0"/>
-                <a:ea typeface="Cambria" pitchFamily="18" charset="0"/>
-                <a:cs typeface="Times New Roman" pitchFamily="18" charset="0"/>
-              </a:rPr>
-              <a:t>Ce qui booste les performances de votre site et rend le travail sur le fichier plus agréable.</a:t>
+              <a:t>est un langage de script ,L'écriture avec sass est mieux organisée, plus lisible, moins répétitive. Ce qui booste les performances de votre site et rend le travail sur le fichier plus agréable.</a:t>
             </a:r>
           </a:p>
         </p:txBody>
@@ -7990,46 +7397,7 @@
                 <a:ea typeface="Cambria" pitchFamily="18" charset="0"/>
                 <a:cs typeface="Times New Roman" pitchFamily="18" charset="0"/>
               </a:rPr>
-              <a:t>En </a:t>
-            </a:r>
-            <a:r>
-              <a:rPr lang="fr-FR" sz="2000" dirty="0" smtClean="0">
-                <a:solidFill>
-                  <a:schemeClr val="accent1">
-                    <a:lumMod val="75000"/>
-                  </a:schemeClr>
-                </a:solidFill>
-                <a:latin typeface="Century" pitchFamily="18" charset="0"/>
-                <a:ea typeface="Cambria" pitchFamily="18" charset="0"/>
-                <a:cs typeface="Times New Roman" pitchFamily="18" charset="0"/>
-              </a:rPr>
-              <a:t>utilisant </a:t>
-            </a:r>
-            <a:r>
-              <a:rPr lang="fr-FR" sz="2000" dirty="0" smtClean="0">
-                <a:solidFill>
-                  <a:schemeClr val="accent1">
-                    <a:lumMod val="75000"/>
-                  </a:schemeClr>
-                </a:solidFill>
-                <a:latin typeface="Century" pitchFamily="18" charset="0"/>
-                <a:ea typeface="Cambria" pitchFamily="18" charset="0"/>
-                <a:cs typeface="Times New Roman" pitchFamily="18" charset="0"/>
-              </a:rPr>
-              <a:t>toutes les technologies du front end comme le sass et html le css ainsi que le </a:t>
-            </a:r>
-            <a:r>
-              <a:rPr lang="fr-FR" sz="2000" dirty="0" smtClean="0">
-                <a:solidFill>
-                  <a:schemeClr val="accent1">
-                    <a:lumMod val="75000"/>
-                  </a:schemeClr>
-                </a:solidFill>
-                <a:latin typeface="Century" pitchFamily="18" charset="0"/>
-                <a:ea typeface="Cambria" pitchFamily="18" charset="0"/>
-                <a:cs typeface="Times New Roman" pitchFamily="18" charset="0"/>
-              </a:rPr>
-              <a:t>JavaScript </a:t>
+              <a:t>En utilisant toutes les technologies du front end comme le sass et html le css ainsi que le JavaScript </a:t>
             </a:r>
             <a:r>
               <a:rPr lang="fr-FR" dirty="0" smtClean="0">
@@ -8085,7 +7453,7 @@
     </p:spTree>
     <p:extLst>
       <p:ext uri="{BB962C8B-B14F-4D97-AF65-F5344CB8AC3E}">
-        <p14:creationId xmlns="" xmlns:p14="http://schemas.microsoft.com/office/powerpoint/2010/main" val="4166242014"/>
+        <p14:creationId xmlns:p14="http://schemas.microsoft.com/office/powerpoint/2010/main" xmlns="" val="4166242014"/>
       </p:ext>
     </p:extLst>
   </p:cSld>
